--- a/Matches/IDPA - Renton - December 2019/Bay 1 - Take This Snow Job and Shove-l It!.pptx
+++ b/Matches/IDPA - Renton - December 2019/Bay 1 - Take This Snow Job and Shove-l It!.pptx
@@ -335,7 +335,7 @@
               <a:pPr>
                 <a:defRPr/>
               </a:pPr>
-              <a:t>11/25/19</a:t>
+              <a:t>11/27/19</a:t>
             </a:fld>
             <a:endParaRPr lang="en-US"/>
           </a:p>
@@ -4228,14 +4228,14 @@
           <p:nvPr>
             <p:extLst>
               <p:ext uri="{D42A27DB-BD31-4B8C-83A1-F6EECF244321}">
-                <p14:modId xmlns:p14="http://schemas.microsoft.com/office/powerpoint/2010/main" val="3786946890"/>
+                <p14:modId xmlns:p14="http://schemas.microsoft.com/office/powerpoint/2010/main" val="1190813938"/>
               </p:ext>
             </p:extLst>
           </p:nvPr>
         </p:nvGraphicFramePr>
         <p:xfrm>
           <a:off x="152400" y="152400"/>
-          <a:ext cx="7010400" cy="4017743"/>
+          <a:ext cx="7010400" cy="3886200"/>
         </p:xfrm>
         <a:graphic>
           <a:graphicData uri="http://schemas.openxmlformats.org/drawingml/2006/table">
@@ -4825,7 +4825,7 @@
                           <a:ea typeface="ＭＳ Ｐゴシック" pitchFamily="-112" charset="-128"/>
                           <a:cs typeface="Times New Roman" pitchFamily="-112" charset="0"/>
                         </a:rPr>
-                        <a:t>loaded and Holstered, standing in start box, facing squarely downrange. PCC Stock on belt muzzle pointed squarely downrange.</a:t>
+                        <a:t>Loaded and Holstered, standing in start box, facing squarely downrange, both hands on shovel. PCC Stock on belt muzzle pointed squarely downrange, strong hand on shovel.</a:t>
                       </a:r>
                     </a:p>
                   </a:txBody>
@@ -5284,7 +5284,7 @@
                   </a:ext>
                 </a:extLst>
               </a:tr>
-              <a:tr h="1710401">
+              <a:tr h="1411218">
                 <a:tc gridSpan="2">
                   <a:txBody>
                     <a:bodyPr/>
